--- a/Git&GitHub 강의자료 초안.pptx
+++ b/Git&GitHub 강의자료 초안.pptx
@@ -6,7 +6,7 @@
     <p:sldMasterId id="2147483679" r:id="rId2"/>
   </p:sldMasterIdLst>
   <p:notesMasterIdLst>
-    <p:notesMasterId r:id="rId36"/>
+    <p:notesMasterId r:id="rId38"/>
   </p:notesMasterIdLst>
   <p:sldIdLst>
     <p:sldId id="290" r:id="rId3"/>
@@ -42,6 +42,8 @@
     <p:sldId id="319" r:id="rId33"/>
     <p:sldId id="320" r:id="rId34"/>
     <p:sldId id="314" r:id="rId35"/>
+    <p:sldId id="322" r:id="rId36"/>
+    <p:sldId id="321" r:id="rId37"/>
   </p:sldIdLst>
   <p:sldSz cx="6858000" cy="5143500"/>
   <p:notesSz cx="6858000" cy="9144000"/>
@@ -18948,11 +18950,7 @@
             </a:r>
             <a:r>
               <a:rPr lang="ko-KR" altLang="en-US" dirty="0" smtClean="0"/>
-              <a:t>상태 </a:t>
-            </a:r>
-            <a:r>
-              <a:rPr lang="ko-KR" altLang="en-US" dirty="0" smtClean="0"/>
-              <a:t>확인</a:t>
+              <a:t>상태 확인</a:t>
             </a:r>
             <a:r>
               <a:rPr lang="en-US" altLang="ko-KR" dirty="0" smtClean="0"/>
@@ -24092,11 +24090,7 @@
             </a:r>
             <a:r>
               <a:rPr lang="en-US" altLang="ko-KR" dirty="0" smtClean="0"/>
-              <a:t> </a:t>
-            </a:r>
-            <a:r>
-              <a:rPr lang="en-US" altLang="ko-KR" dirty="0" smtClean="0"/>
-              <a:t>commit -am</a:t>
+              <a:t> commit -am</a:t>
             </a:r>
             <a:endParaRPr lang="ko-KR" altLang="en-US" dirty="0"/>
           </a:p>
@@ -24121,11 +24115,7 @@
           <a:p>
             <a:r>
               <a:rPr lang="en-US" altLang="ko-KR" sz="1400" dirty="0" smtClean="0"/>
-              <a:t>1. </a:t>
-            </a:r>
-            <a:r>
-              <a:rPr lang="en-US" altLang="ko-KR" sz="1400" dirty="0" smtClean="0"/>
-              <a:t>hello.txt </a:t>
+              <a:t>1. hello.txt </a:t>
             </a:r>
             <a:r>
               <a:rPr lang="ko-KR" altLang="en-US" sz="1400" dirty="0" smtClean="0"/>
@@ -24140,11 +24130,7 @@
             </a:br>
             <a:r>
               <a:rPr lang="en-US" altLang="ko-KR" sz="1400" dirty="0" smtClean="0"/>
-              <a:t>2</a:t>
-            </a:r>
-            <a:r>
-              <a:rPr lang="en-US" altLang="ko-KR" sz="1400" dirty="0" smtClean="0"/>
-              <a:t>. </a:t>
+              <a:t>2. </a:t>
             </a:r>
             <a:r>
               <a:rPr lang="en-US" altLang="ko-KR" sz="1400" dirty="0" err="1" smtClean="0"/>
@@ -24152,11 +24138,7 @@
             </a:r>
             <a:r>
               <a:rPr lang="en-US" altLang="ko-KR" sz="1400" dirty="0" smtClean="0"/>
-              <a:t> </a:t>
-            </a:r>
-            <a:r>
-              <a:rPr lang="en-US" altLang="ko-KR" sz="1400" dirty="0" smtClean="0"/>
-              <a:t>commit –am “second commit”</a:t>
+              <a:t> commit –am “second commit”</a:t>
             </a:r>
             <a:r>
               <a:rPr lang="ko-KR" altLang="en-US" sz="1400" dirty="0" smtClean="0"/>
@@ -24989,17 +24971,7 @@
                 <a:latin typeface="나눔스퀘어" panose="020B0600000101010101" pitchFamily="50" charset="-127"/>
                 <a:ea typeface="나눔스퀘어" panose="020B0600000101010101" pitchFamily="50" charset="-127"/>
               </a:rPr>
-              <a:t>삭제</a:t>
-            </a:r>
-            <a:r>
-              <a:rPr lang="ko-KR" altLang="en-US" sz="1100" dirty="0" smtClean="0">
-                <a:solidFill>
-                  <a:srgbClr val="FF0000"/>
-                </a:solidFill>
-                <a:latin typeface="나눔스퀘어" panose="020B0600000101010101" pitchFamily="50" charset="-127"/>
-                <a:ea typeface="나눔스퀘어" panose="020B0600000101010101" pitchFamily="50" charset="-127"/>
-              </a:rPr>
-              <a:t>된 내용</a:t>
+              <a:t>삭제된 내용</a:t>
             </a:r>
             <a:endParaRPr lang="ko-KR" altLang="en-US" sz="1100" dirty="0">
               <a:solidFill>
@@ -26155,13 +26127,6 @@
               </a:rPr>
               <a:t> add</a:t>
             </a:r>
-            <a:endParaRPr lang="en-US" altLang="ko-KR" sz="500" dirty="0">
-              <a:solidFill>
-                <a:srgbClr val="0000FF"/>
-              </a:solidFill>
-              <a:latin typeface="나눔스퀘어" panose="020B0600000101010101" pitchFamily="50" charset="-127"/>
-              <a:ea typeface="나눔스퀘어" panose="020B0600000101010101" pitchFamily="50" charset="-127"/>
-            </a:endParaRPr>
           </a:p>
         </p:txBody>
       </p:sp>
@@ -26449,7 +26414,6 @@
               <a:rPr lang="ko-KR" altLang="en-US" dirty="0"/>
               <a:t>파일</a:t>
             </a:r>
-            <a:endParaRPr lang="ko-KR" altLang="en-US" dirty="0"/>
           </a:p>
         </p:txBody>
       </p:sp>
@@ -27112,7 +27076,6 @@
               <a:rPr lang="ko-KR" altLang="en-US" dirty="0"/>
               <a:t>파일</a:t>
             </a:r>
-            <a:endParaRPr lang="ko-KR" altLang="en-US" dirty="0"/>
           </a:p>
         </p:txBody>
       </p:sp>
@@ -31263,7 +31226,19 @@
           <a:bodyPr/>
           <a:lstStyle/>
           <a:p>
-            <a:endParaRPr lang="ko-KR" altLang="en-US"/>
+            <a:r>
+              <a:rPr lang="ko-KR" altLang="en-US" dirty="0" smtClean="0"/>
+              <a:t>최신 </a:t>
+            </a:r>
+            <a:r>
+              <a:rPr lang="en-US" altLang="ko-KR" dirty="0" smtClean="0"/>
+              <a:t>Commit </a:t>
+            </a:r>
+            <a:r>
+              <a:rPr lang="ko-KR" altLang="en-US" dirty="0" smtClean="0"/>
+              <a:t>메시지 수정</a:t>
+            </a:r>
+            <a:endParaRPr lang="ko-KR" altLang="en-US" dirty="0"/>
           </a:p>
         </p:txBody>
       </p:sp>
@@ -31282,7 +31257,15 @@
           <a:bodyPr/>
           <a:lstStyle/>
           <a:p>
-            <a:endParaRPr lang="ko-KR" altLang="en-US"/>
+            <a:r>
+              <a:rPr lang="en-US" altLang="ko-KR" dirty="0" err="1" smtClean="0"/>
+              <a:t>git</a:t>
+            </a:r>
+            <a:r>
+              <a:rPr lang="en-US" altLang="ko-KR" dirty="0" smtClean="0"/>
+              <a:t> commit --amend</a:t>
+            </a:r>
+            <a:endParaRPr lang="ko-KR" altLang="en-US" dirty="0"/>
           </a:p>
         </p:txBody>
       </p:sp>
@@ -31301,7 +31284,305 @@
           <a:bodyPr/>
           <a:lstStyle/>
           <a:p>
-            <a:endParaRPr lang="ko-KR" altLang="en-US"/>
+            <a:r>
+              <a:rPr lang="en-US" altLang="ko-KR" dirty="0" smtClean="0"/>
+              <a:t>1. </a:t>
+            </a:r>
+            <a:r>
+              <a:rPr lang="en-US" altLang="ko-KR" dirty="0" err="1" smtClean="0"/>
+              <a:t>git</a:t>
+            </a:r>
+            <a:r>
+              <a:rPr lang="en-US" altLang="ko-KR" dirty="0" smtClean="0"/>
+              <a:t> commit --amend </a:t>
+            </a:r>
+            <a:r>
+              <a:rPr lang="ko-KR" altLang="en-US" dirty="0" smtClean="0"/>
+              <a:t>입력</a:t>
+            </a:r>
+            <a:r>
+              <a:rPr lang="en-US" altLang="ko-KR" dirty="0" smtClean="0"/>
+              <a:t/>
+            </a:r>
+            <a:br>
+              <a:rPr lang="en-US" altLang="ko-KR" dirty="0" smtClean="0"/>
+            </a:br>
+            <a:r>
+              <a:rPr lang="en-US" altLang="ko-KR" sz="1400" dirty="0" smtClean="0">
+                <a:solidFill>
+                  <a:schemeClr val="bg1">
+                    <a:lumMod val="50000"/>
+                  </a:schemeClr>
+                </a:solidFill>
+              </a:rPr>
+              <a:t>* amend: </a:t>
+            </a:r>
+            <a:r>
+              <a:rPr lang="ko-KR" altLang="en-US" sz="1400" dirty="0" smtClean="0">
+                <a:solidFill>
+                  <a:schemeClr val="bg1">
+                    <a:lumMod val="50000"/>
+                  </a:schemeClr>
+                </a:solidFill>
+              </a:rPr>
+              <a:t>수정하다</a:t>
+            </a:r>
+            <a:r>
+              <a:rPr lang="en-US" altLang="ko-KR" sz="1400" dirty="0" smtClean="0">
+                <a:solidFill>
+                  <a:schemeClr val="bg1">
+                    <a:lumMod val="50000"/>
+                  </a:schemeClr>
+                </a:solidFill>
+              </a:rPr>
+              <a:t>, </a:t>
+            </a:r>
+            <a:r>
+              <a:rPr lang="ko-KR" altLang="en-US" sz="1400" dirty="0" smtClean="0">
+                <a:solidFill>
+                  <a:schemeClr val="bg1">
+                    <a:lumMod val="50000"/>
+                  </a:schemeClr>
+                </a:solidFill>
+              </a:rPr>
+              <a:t>보완하다</a:t>
+            </a:r>
+            <a:r>
+              <a:rPr lang="en-US" altLang="ko-KR" sz="1400" dirty="0" smtClean="0">
+                <a:solidFill>
+                  <a:schemeClr val="bg1">
+                    <a:lumMod val="50000"/>
+                  </a:schemeClr>
+                </a:solidFill>
+              </a:rPr>
+              <a:t>, </a:t>
+            </a:r>
+            <a:r>
+              <a:rPr lang="ko-KR" altLang="en-US" sz="1400" dirty="0" smtClean="0">
+                <a:solidFill>
+                  <a:schemeClr val="bg1">
+                    <a:lumMod val="50000"/>
+                  </a:schemeClr>
+                </a:solidFill>
+              </a:rPr>
+              <a:t>고치다</a:t>
+            </a:r>
+            <a:r>
+              <a:rPr lang="en-US" altLang="ko-KR" sz="1400" dirty="0" smtClean="0">
+                <a:solidFill>
+                  <a:schemeClr val="bg1">
+                    <a:lumMod val="50000"/>
+                  </a:schemeClr>
+                </a:solidFill>
+              </a:rPr>
+              <a:t/>
+            </a:r>
+            <a:br>
+              <a:rPr lang="en-US" altLang="ko-KR" sz="1400" dirty="0" smtClean="0">
+                <a:solidFill>
+                  <a:schemeClr val="bg1">
+                    <a:lumMod val="50000"/>
+                  </a:schemeClr>
+                </a:solidFill>
+              </a:rPr>
+            </a:br>
+            <a:r>
+              <a:rPr lang="en-US" altLang="ko-KR" dirty="0"/>
+              <a:t>2. .</a:t>
+            </a:r>
+            <a:r>
+              <a:rPr lang="en-US" altLang="ko-KR" dirty="0" err="1"/>
+              <a:t>git</a:t>
+            </a:r>
+            <a:r>
+              <a:rPr lang="en-US" altLang="ko-KR" dirty="0"/>
+              <a:t>/COMMIT_EDITMSG </a:t>
+            </a:r>
+            <a:r>
+              <a:rPr lang="ko-KR" altLang="en-US" dirty="0"/>
+              <a:t>파일 확인</a:t>
+            </a:r>
+            <a:endParaRPr lang="ko-KR" altLang="en-US" dirty="0">
+              <a:solidFill>
+                <a:schemeClr val="bg1">
+                  <a:lumMod val="50000"/>
+                </a:schemeClr>
+              </a:solidFill>
+            </a:endParaRPr>
+          </a:p>
+          <a:p>
+            <a:endParaRPr lang="ko-KR" altLang="en-US" dirty="0">
+              <a:solidFill>
+                <a:schemeClr val="bg1">
+                  <a:lumMod val="50000"/>
+                </a:schemeClr>
+              </a:solidFill>
+            </a:endParaRPr>
+          </a:p>
+        </p:txBody>
+      </p:sp>
+      <p:pic>
+        <p:nvPicPr>
+          <p:cNvPr id="7" name="Picture 2" descr="https://lh7-rt.googleusercontent.com/slidesz/AGV_vUegLIi5hV_M2UjenrBZOf1CNe2EjHohs2drLl4wHPIwfTd-njfyHEczDPiOs7fZtNBl3TmHjMzgY6q8qvE89Wanz8XEYgwJG7ZkIM3lZaidkMjkkQ-yxSP6aaEnTfP8JbJekTzYCYNJxCNMkQNbnJR68elTGL7B=s2048?key=ZXB6VDYJTX0lIjAc5tbdNA"/>
+          <p:cNvPicPr>
+            <a:picLocks noChangeAspect="1" noChangeArrowheads="1"/>
+          </p:cNvPicPr>
+          <p:nvPr/>
+        </p:nvPicPr>
+        <p:blipFill>
+          <a:blip r:embed="rId2">
+            <a:extLst>
+              <a:ext uri="{28A0092B-C50C-407E-A947-70E740481C1C}">
+                <a14:useLocalDpi xmlns:a14="http://schemas.microsoft.com/office/drawing/2010/main" val="0"/>
+              </a:ext>
+            </a:extLst>
+          </a:blip>
+          <a:srcRect/>
+          <a:stretch>
+            <a:fillRect/>
+          </a:stretch>
+        </p:blipFill>
+        <p:spPr bwMode="auto">
+          <a:xfrm>
+            <a:off x="209551" y="2020824"/>
+            <a:ext cx="4374606" cy="2814618"/>
+          </a:xfrm>
+          <a:prstGeom prst="rect">
+            <a:avLst/>
+          </a:prstGeom>
+          <a:noFill/>
+          <a:ln>
+            <a:solidFill>
+              <a:schemeClr val="bg1">
+                <a:lumMod val="65000"/>
+              </a:schemeClr>
+            </a:solidFill>
+          </a:ln>
+          <a:extLst>
+            <a:ext uri="{909E8E84-426E-40DD-AFC4-6F175D3DCCD1}">
+              <a14:hiddenFill xmlns:a14="http://schemas.microsoft.com/office/drawing/2010/main">
+                <a:solidFill>
+                  <a:srgbClr val="FFFFFF"/>
+                </a:solidFill>
+              </a14:hiddenFill>
+            </a:ext>
+          </a:extLst>
+        </p:spPr>
+      </p:pic>
+      <p:pic>
+        <p:nvPicPr>
+          <p:cNvPr id="1030" name="Picture 6" descr="https://lh7-rt.googleusercontent.com/slidesz/AGV_vUfF20g4IpoFaT01qBRziAZ-D1pfvvIgjOYMTUkSj-Mq0NZDqKi5u1VGmAhv_LeWiRAs4fPu0P9E3J6y7ohAX3Bjpn9rSFSqzOLF9c5UdpPlrQjKo8lf_mo2b5rp4A8PmZ-uwUe6HueFxtHxmnJogRp1UeoHF2M0=s2048?key=ZXB6VDYJTX0lIjAc5tbdNA"/>
+          <p:cNvPicPr>
+            <a:picLocks noChangeAspect="1" noChangeArrowheads="1"/>
+          </p:cNvPicPr>
+          <p:nvPr/>
+        </p:nvPicPr>
+        <p:blipFill>
+          <a:blip r:embed="rId3">
+            <a:extLst>
+              <a:ext uri="{28A0092B-C50C-407E-A947-70E740481C1C}">
+                <a14:useLocalDpi xmlns:a14="http://schemas.microsoft.com/office/drawing/2010/main" val="0"/>
+              </a:ext>
+            </a:extLst>
+          </a:blip>
+          <a:srcRect/>
+          <a:stretch>
+            <a:fillRect/>
+          </a:stretch>
+        </p:blipFill>
+        <p:spPr bwMode="auto">
+          <a:xfrm>
+            <a:off x="2974720" y="3880624"/>
+            <a:ext cx="3819271" cy="954818"/>
+          </a:xfrm>
+          <a:prstGeom prst="rect">
+            <a:avLst/>
+          </a:prstGeom>
+          <a:noFill/>
+          <a:ln>
+            <a:solidFill>
+              <a:schemeClr val="bg1">
+                <a:lumMod val="65000"/>
+              </a:schemeClr>
+            </a:solidFill>
+          </a:ln>
+          <a:extLst>
+            <a:ext uri="{909E8E84-426E-40DD-AFC4-6F175D3DCCD1}">
+              <a14:hiddenFill xmlns:a14="http://schemas.microsoft.com/office/drawing/2010/main">
+                <a:solidFill>
+                  <a:srgbClr val="FFFFFF"/>
+                </a:solidFill>
+              </a14:hiddenFill>
+            </a:ext>
+          </a:extLst>
+        </p:spPr>
+      </p:pic>
+      <p:sp>
+        <p:nvSpPr>
+          <p:cNvPr id="9" name="직사각형 8"/>
+          <p:cNvSpPr/>
+          <p:nvPr/>
+        </p:nvSpPr>
+        <p:spPr>
+          <a:xfrm>
+            <a:off x="1268240" y="2440945"/>
+            <a:ext cx="2787580" cy="261610"/>
+          </a:xfrm>
+          <a:prstGeom prst="rect">
+            <a:avLst/>
+          </a:prstGeom>
+        </p:spPr>
+        <p:txBody>
+          <a:bodyPr wrap="square">
+            <a:spAutoFit/>
+          </a:bodyPr>
+          <a:lstStyle/>
+          <a:p>
+            <a:pPr>
+              <a:spcBef>
+                <a:spcPts val="1200"/>
+              </a:spcBef>
+              <a:spcAft>
+                <a:spcPts val="1200"/>
+              </a:spcAft>
+            </a:pPr>
+            <a:r>
+              <a:rPr lang="en-US" altLang="ko-KR" sz="1100" dirty="0" smtClean="0">
+                <a:solidFill>
+                  <a:srgbClr val="0000FF"/>
+                </a:solidFill>
+                <a:latin typeface="나눔스퀘어" panose="020B0600000101010101" pitchFamily="50" charset="-127"/>
+                <a:ea typeface="나눔스퀘어" panose="020B0600000101010101" pitchFamily="50" charset="-127"/>
+              </a:rPr>
+              <a:t>third commit → third commit!! (</a:t>
+            </a:r>
+            <a:r>
+              <a:rPr lang="ko-KR" altLang="en-US" sz="1100" dirty="0" smtClean="0">
+                <a:solidFill>
+                  <a:srgbClr val="0000FF"/>
+                </a:solidFill>
+                <a:latin typeface="나눔스퀘어" panose="020B0600000101010101" pitchFamily="50" charset="-127"/>
+                <a:ea typeface="나눔스퀘어" panose="020B0600000101010101" pitchFamily="50" charset="-127"/>
+              </a:rPr>
+              <a:t>수정</a:t>
+            </a:r>
+            <a:r>
+              <a:rPr lang="en-US" altLang="ko-KR" sz="1100" dirty="0" smtClean="0">
+                <a:solidFill>
+                  <a:srgbClr val="0000FF"/>
+                </a:solidFill>
+                <a:latin typeface="나눔스퀘어" panose="020B0600000101010101" pitchFamily="50" charset="-127"/>
+                <a:ea typeface="나눔스퀘어" panose="020B0600000101010101" pitchFamily="50" charset="-127"/>
+              </a:rPr>
+              <a:t>)</a:t>
+            </a:r>
+            <a:endParaRPr lang="en-US" altLang="ko-KR" sz="1100" dirty="0">
+              <a:solidFill>
+                <a:srgbClr val="0000FF"/>
+              </a:solidFill>
+              <a:latin typeface="나눔스퀘어" panose="020B0600000101010101" pitchFamily="50" charset="-127"/>
+              <a:ea typeface="나눔스퀘어" panose="020B0600000101010101" pitchFamily="50" charset="-127"/>
+            </a:endParaRPr>
           </a:p>
         </p:txBody>
       </p:sp>
@@ -31416,6 +31697,180 @@
       </p:par>
     </p:tnLst>
   </p:timing>
+</p:sld>
+</file>
+
+<file path=ppt/slides/slide34.xml><?xml version="1.0" encoding="utf-8"?>
+<p:sld xmlns:a="http://schemas.openxmlformats.org/drawingml/2006/main" xmlns:r="http://schemas.openxmlformats.org/officeDocument/2006/relationships" xmlns:p="http://schemas.openxmlformats.org/presentationml/2006/main">
+  <p:cSld>
+    <p:spTree>
+      <p:nvGrpSpPr>
+        <p:cNvPr id="1" name=""/>
+        <p:cNvGrpSpPr/>
+        <p:nvPr/>
+      </p:nvGrpSpPr>
+      <p:grpSpPr>
+        <a:xfrm>
+          <a:off x="0" y="0"/>
+          <a:ext cx="0" cy="0"/>
+          <a:chOff x="0" y="0"/>
+          <a:chExt cx="0" cy="0"/>
+        </a:xfrm>
+      </p:grpSpPr>
+      <p:sp>
+        <p:nvSpPr>
+          <p:cNvPr id="2" name="텍스트 개체 틀 1"/>
+          <p:cNvSpPr>
+            <a:spLocks noGrp="1"/>
+          </p:cNvSpPr>
+          <p:nvPr>
+            <p:ph type="body" sz="quarter" idx="10"/>
+          </p:nvPr>
+        </p:nvSpPr>
+        <p:spPr/>
+        <p:txBody>
+          <a:bodyPr/>
+          <a:lstStyle/>
+          <a:p>
+            <a:endParaRPr lang="ko-KR" altLang="en-US"/>
+          </a:p>
+        </p:txBody>
+      </p:sp>
+      <p:sp>
+        <p:nvSpPr>
+          <p:cNvPr id="3" name="텍스트 개체 틀 2"/>
+          <p:cNvSpPr>
+            <a:spLocks noGrp="1"/>
+          </p:cNvSpPr>
+          <p:nvPr>
+            <p:ph type="body" sz="quarter" idx="11"/>
+          </p:nvPr>
+        </p:nvSpPr>
+        <p:spPr/>
+        <p:txBody>
+          <a:bodyPr/>
+          <a:lstStyle/>
+          <a:p>
+            <a:endParaRPr lang="ko-KR" altLang="en-US"/>
+          </a:p>
+        </p:txBody>
+      </p:sp>
+      <p:sp>
+        <p:nvSpPr>
+          <p:cNvPr id="4" name="텍스트 개체 틀 3"/>
+          <p:cNvSpPr>
+            <a:spLocks noGrp="1"/>
+          </p:cNvSpPr>
+          <p:nvPr>
+            <p:ph type="body" sz="quarter" idx="12"/>
+          </p:nvPr>
+        </p:nvSpPr>
+        <p:spPr/>
+        <p:txBody>
+          <a:bodyPr/>
+          <a:lstStyle/>
+          <a:p>
+            <a:endParaRPr lang="ko-KR" altLang="en-US"/>
+          </a:p>
+        </p:txBody>
+      </p:sp>
+    </p:spTree>
+    <p:extLst>
+      <p:ext uri="{BB962C8B-B14F-4D97-AF65-F5344CB8AC3E}">
+        <p14:creationId xmlns:p14="http://schemas.microsoft.com/office/powerpoint/2010/main" val="2990420203"/>
+      </p:ext>
+    </p:extLst>
+  </p:cSld>
+  <p:clrMapOvr>
+    <a:masterClrMapping/>
+  </p:clrMapOvr>
+</p:sld>
+</file>
+
+<file path=ppt/slides/slide35.xml><?xml version="1.0" encoding="utf-8"?>
+<p:sld xmlns:a="http://schemas.openxmlformats.org/drawingml/2006/main" xmlns:r="http://schemas.openxmlformats.org/officeDocument/2006/relationships" xmlns:p="http://schemas.openxmlformats.org/presentationml/2006/main">
+  <p:cSld>
+    <p:spTree>
+      <p:nvGrpSpPr>
+        <p:cNvPr id="1" name=""/>
+        <p:cNvGrpSpPr/>
+        <p:nvPr/>
+      </p:nvGrpSpPr>
+      <p:grpSpPr>
+        <a:xfrm>
+          <a:off x="0" y="0"/>
+          <a:ext cx="0" cy="0"/>
+          <a:chOff x="0" y="0"/>
+          <a:chExt cx="0" cy="0"/>
+        </a:xfrm>
+      </p:grpSpPr>
+      <p:sp>
+        <p:nvSpPr>
+          <p:cNvPr id="2" name="텍스트 개체 틀 1"/>
+          <p:cNvSpPr>
+            <a:spLocks noGrp="1"/>
+          </p:cNvSpPr>
+          <p:nvPr>
+            <p:ph type="body" sz="quarter" idx="10"/>
+          </p:nvPr>
+        </p:nvSpPr>
+        <p:spPr/>
+        <p:txBody>
+          <a:bodyPr/>
+          <a:lstStyle/>
+          <a:p>
+            <a:endParaRPr lang="ko-KR" altLang="en-US"/>
+          </a:p>
+        </p:txBody>
+      </p:sp>
+      <p:sp>
+        <p:nvSpPr>
+          <p:cNvPr id="3" name="텍스트 개체 틀 2"/>
+          <p:cNvSpPr>
+            <a:spLocks noGrp="1"/>
+          </p:cNvSpPr>
+          <p:nvPr>
+            <p:ph type="body" sz="quarter" idx="11"/>
+          </p:nvPr>
+        </p:nvSpPr>
+        <p:spPr/>
+        <p:txBody>
+          <a:bodyPr/>
+          <a:lstStyle/>
+          <a:p>
+            <a:endParaRPr lang="ko-KR" altLang="en-US"/>
+          </a:p>
+        </p:txBody>
+      </p:sp>
+      <p:sp>
+        <p:nvSpPr>
+          <p:cNvPr id="4" name="텍스트 개체 틀 3"/>
+          <p:cNvSpPr>
+            <a:spLocks noGrp="1"/>
+          </p:cNvSpPr>
+          <p:nvPr>
+            <p:ph type="body" sz="quarter" idx="12"/>
+          </p:nvPr>
+        </p:nvSpPr>
+        <p:spPr/>
+        <p:txBody>
+          <a:bodyPr/>
+          <a:lstStyle/>
+          <a:p>
+            <a:endParaRPr lang="ko-KR" altLang="en-US"/>
+          </a:p>
+        </p:txBody>
+      </p:sp>
+    </p:spTree>
+    <p:extLst>
+      <p:ext uri="{BB962C8B-B14F-4D97-AF65-F5344CB8AC3E}">
+        <p14:creationId xmlns:p14="http://schemas.microsoft.com/office/powerpoint/2010/main" val="1383750325"/>
+      </p:ext>
+    </p:extLst>
+  </p:cSld>
+  <p:clrMapOvr>
+    <a:masterClrMapping/>
+  </p:clrMapOvr>
 </p:sld>
 </file>
 
@@ -31705,8 +32160,8 @@
         </p:nvSpPr>
         <p:spPr>
           <a:xfrm>
-            <a:off x="1356360" y="4662324"/>
-            <a:ext cx="2709396" cy="215444"/>
+            <a:off x="3148552" y="4662324"/>
+            <a:ext cx="2406428" cy="200055"/>
           </a:xfrm>
           <a:prstGeom prst="rect">
             <a:avLst/>
@@ -31720,7 +32175,7 @@
           <a:lstStyle/>
           <a:p>
             <a:r>
-              <a:rPr lang="ko-KR" altLang="en-US" sz="800">
+              <a:rPr lang="ko-KR" altLang="en-US" sz="700" dirty="0">
                 <a:solidFill>
                   <a:schemeClr val="bg1">
                     <a:lumMod val="75000"/>
@@ -31732,7 +32187,7 @@
               <a:t>출처</a:t>
             </a:r>
             <a:r>
-              <a:rPr lang="en-US" altLang="ko-KR" sz="800">
+              <a:rPr lang="en-US" altLang="ko-KR" sz="700" dirty="0">
                 <a:solidFill>
                   <a:schemeClr val="bg1">
                     <a:lumMod val="75000"/>
@@ -31743,7 +32198,7 @@
               </a:rPr>
               <a:t>: https://elky84.github.io/2020/07/19/git_vs_svn/</a:t>
             </a:r>
-            <a:endParaRPr lang="ko-KR" altLang="en-US" sz="800">
+            <a:endParaRPr lang="ko-KR" altLang="en-US" sz="700" dirty="0">
               <a:solidFill>
                 <a:schemeClr val="bg1">
                   <a:lumMod val="75000"/>
